--- a/hakkason.pptx
+++ b/hakkason.pptx
@@ -5759,7 +5759,121 @@
                   </a:outerShdw>
                 </a:effectLst>
               </a:rPr>
-              <a:t>名前：セクシー姉さん</a:t>
+              <a:t>名前：</a:t>
+            </a:r>
+            <a:r>
+              <a:rPr lang="ja-JP" altLang="en-US" sz="4400" b="1" dirty="0" smtClean="0">
+                <a:ln w="11430"/>
+                <a:gradFill>
+                  <a:gsLst>
+                    <a:gs pos="0">
+                      <a:schemeClr val="accent2">
+                        <a:tint val="70000"/>
+                        <a:satMod val="245000"/>
+                      </a:schemeClr>
+                    </a:gs>
+                    <a:gs pos="75000">
+                      <a:schemeClr val="accent2">
+                        <a:tint val="90000"/>
+                        <a:shade val="60000"/>
+                        <a:satMod val="240000"/>
+                      </a:schemeClr>
+                    </a:gs>
+                    <a:gs pos="100000">
+                      <a:schemeClr val="accent2">
+                        <a:tint val="100000"/>
+                        <a:shade val="50000"/>
+                        <a:satMod val="240000"/>
+                      </a:schemeClr>
+                    </a:gs>
+                  </a:gsLst>
+                  <a:lin ang="5400000"/>
+                </a:gradFill>
+                <a:effectLst>
+                  <a:outerShdw blurRad="50800" dist="39000" dir="5460000" algn="tl">
+                    <a:srgbClr val="000000">
+                      <a:alpha val="38000"/>
+                    </a:srgbClr>
+                  </a:outerShdw>
+                </a:effectLst>
+              </a:rPr>
+              <a:t>セクシー</a:t>
+            </a:r>
+            <a:r>
+              <a:rPr lang="ja-JP" altLang="en-US" sz="4400" b="1" dirty="0">
+                <a:ln w="11430"/>
+                <a:gradFill>
+                  <a:gsLst>
+                    <a:gs pos="0">
+                      <a:schemeClr val="accent2">
+                        <a:tint val="70000"/>
+                        <a:satMod val="245000"/>
+                      </a:schemeClr>
+                    </a:gs>
+                    <a:gs pos="75000">
+                      <a:schemeClr val="accent2">
+                        <a:tint val="90000"/>
+                        <a:shade val="60000"/>
+                        <a:satMod val="240000"/>
+                      </a:schemeClr>
+                    </a:gs>
+                    <a:gs pos="100000">
+                      <a:schemeClr val="accent2">
+                        <a:tint val="100000"/>
+                        <a:shade val="50000"/>
+                        <a:satMod val="240000"/>
+                      </a:schemeClr>
+                    </a:gs>
+                  </a:gsLst>
+                  <a:lin ang="5400000"/>
+                </a:gradFill>
+                <a:effectLst>
+                  <a:outerShdw blurRad="50800" dist="39000" dir="5460000" algn="tl">
+                    <a:srgbClr val="000000">
+                      <a:alpha val="38000"/>
+                    </a:srgbClr>
+                  </a:outerShdw>
+                </a:effectLst>
+              </a:rPr>
+              <a:t>米</a:t>
+            </a:r>
+            <a:r>
+              <a:rPr lang="ja-JP" altLang="en-US" sz="4400" b="1" dirty="0" smtClean="0">
+                <a:ln w="11430"/>
+                <a:gradFill>
+                  <a:gsLst>
+                    <a:gs pos="0">
+                      <a:schemeClr val="accent2">
+                        <a:tint val="70000"/>
+                        <a:satMod val="245000"/>
+                      </a:schemeClr>
+                    </a:gs>
+                    <a:gs pos="75000">
+                      <a:schemeClr val="accent2">
+                        <a:tint val="90000"/>
+                        <a:shade val="60000"/>
+                        <a:satMod val="240000"/>
+                      </a:schemeClr>
+                    </a:gs>
+                    <a:gs pos="100000">
+                      <a:schemeClr val="accent2">
+                        <a:tint val="100000"/>
+                        <a:shade val="50000"/>
+                        <a:satMod val="240000"/>
+                      </a:schemeClr>
+                    </a:gs>
+                  </a:gsLst>
+                  <a:lin ang="5400000"/>
+                </a:gradFill>
+                <a:effectLst>
+                  <a:outerShdw blurRad="50800" dist="39000" dir="5460000" algn="tl">
+                    <a:srgbClr val="000000">
+                      <a:alpha val="38000"/>
+                    </a:srgbClr>
+                  </a:outerShdw>
+                </a:effectLst>
+              </a:rPr>
+              <a:t>さん</a:t>
             </a:r>
             <a:endParaRPr lang="ja-JP" altLang="en-US" sz="4400" b="1" cap="none" spc="0" dirty="0">
               <a:ln w="11430"/>
@@ -5871,10 +5985,10 @@
                   </a:outerShdw>
                 </a:effectLst>
               </a:rPr>
-              <a:t>年齢：</a:t>
-            </a:r>
-            <a:r>
-              <a:rPr lang="en-US" altLang="ja-JP" sz="4400" b="1" dirty="0" smtClean="0">
+              <a:t>年齢</a:t>
+            </a:r>
+            <a:r>
+              <a:rPr lang="ja-JP" altLang="en-US" sz="4400" b="1" dirty="0" smtClean="0">
                 <a:ln w="11430"/>
                 <a:gradFill>
                   <a:gsLst>
@@ -5909,7 +6023,45 @@
                   </a:outerShdw>
                 </a:effectLst>
               </a:rPr>
-              <a:t>23</a:t>
+              <a:t>：</a:t>
+            </a:r>
+            <a:r>
+              <a:rPr lang="en-US" altLang="ja-JP" sz="4400" b="1" dirty="0" smtClean="0">
+                <a:ln w="11430"/>
+                <a:gradFill>
+                  <a:gsLst>
+                    <a:gs pos="0">
+                      <a:schemeClr val="accent2">
+                        <a:tint val="70000"/>
+                        <a:satMod val="245000"/>
+                      </a:schemeClr>
+                    </a:gs>
+                    <a:gs pos="75000">
+                      <a:schemeClr val="accent2">
+                        <a:tint val="90000"/>
+                        <a:shade val="60000"/>
+                        <a:satMod val="240000"/>
+                      </a:schemeClr>
+                    </a:gs>
+                    <a:gs pos="100000">
+                      <a:schemeClr val="accent2">
+                        <a:tint val="100000"/>
+                        <a:shade val="50000"/>
+                        <a:satMod val="240000"/>
+                      </a:schemeClr>
+                    </a:gs>
+                  </a:gsLst>
+                  <a:lin ang="5400000"/>
+                </a:gradFill>
+                <a:effectLst>
+                  <a:outerShdw blurRad="50800" dist="39000" dir="5460000" algn="tl">
+                    <a:srgbClr val="000000">
+                      <a:alpha val="38000"/>
+                    </a:srgbClr>
+                  </a:outerShdw>
+                </a:effectLst>
+              </a:rPr>
+              <a:t>65</a:t>
             </a:r>
             <a:endParaRPr lang="ja-JP" altLang="en-US" sz="4400" b="1" cap="none" spc="0" dirty="0">
               <a:ln w="11430"/>
@@ -7103,6 +7255,225 @@
           </a:extLst>
         </p:spPr>
       </p:pic>
+      <p:sp>
+        <p:nvSpPr>
+          <p:cNvPr id="4" name="正方形/長方形 3"/>
+          <p:cNvSpPr/>
+          <p:nvPr/>
+        </p:nvSpPr>
+        <p:spPr>
+          <a:xfrm>
+            <a:off x="1979711" y="5617577"/>
+            <a:ext cx="5600521" cy="923330"/>
+          </a:xfrm>
+          <a:prstGeom prst="rect">
+            <a:avLst/>
+          </a:prstGeom>
+          <a:noFill/>
+        </p:spPr>
+        <p:txBody>
+          <a:bodyPr wrap="square" lIns="91440" tIns="45720" rIns="91440" bIns="45720">
+            <a:spAutoFit/>
+          </a:bodyPr>
+          <a:lstStyle/>
+          <a:p>
+            <a:pPr algn="ctr"/>
+            <a:r>
+              <a:rPr lang="ja-JP" altLang="en-US" sz="5400" b="1" dirty="0" smtClean="0">
+                <a:ln w="10541" cmpd="sng">
+                  <a:solidFill>
+                    <a:schemeClr val="accent1">
+                      <a:shade val="88000"/>
+                      <a:satMod val="110000"/>
+                    </a:schemeClr>
+                  </a:solidFill>
+                  <a:prstDash val="solid"/>
+                </a:ln>
+                <a:gradFill>
+                  <a:gsLst>
+                    <a:gs pos="0">
+                      <a:schemeClr val="accent1">
+                        <a:tint val="40000"/>
+                        <a:satMod val="250000"/>
+                      </a:schemeClr>
+                    </a:gs>
+                    <a:gs pos="9000">
+                      <a:schemeClr val="accent1">
+                        <a:tint val="52000"/>
+                        <a:satMod val="300000"/>
+                      </a:schemeClr>
+                    </a:gs>
+                    <a:gs pos="50000">
+                      <a:schemeClr val="accent1">
+                        <a:shade val="20000"/>
+                        <a:satMod val="300000"/>
+                      </a:schemeClr>
+                    </a:gs>
+                    <a:gs pos="79000">
+                      <a:schemeClr val="accent1">
+                        <a:tint val="52000"/>
+                        <a:satMod val="300000"/>
+                      </a:schemeClr>
+                    </a:gs>
+                    <a:gs pos="100000">
+                      <a:schemeClr val="accent1">
+                        <a:tint val="40000"/>
+                        <a:satMod val="250000"/>
+                      </a:schemeClr>
+                    </a:gs>
+                  </a:gsLst>
+                  <a:lin ang="5400000"/>
+                </a:gradFill>
+              </a:rPr>
+              <a:t>ひとりぼっち</a:t>
+            </a:r>
+            <a:r>
+              <a:rPr lang="en-US" altLang="ja-JP" sz="5400" b="1" dirty="0" smtClean="0">
+                <a:ln w="10541" cmpd="sng">
+                  <a:solidFill>
+                    <a:schemeClr val="accent1">
+                      <a:shade val="88000"/>
+                      <a:satMod val="110000"/>
+                    </a:schemeClr>
+                  </a:solidFill>
+                  <a:prstDash val="solid"/>
+                </a:ln>
+                <a:gradFill>
+                  <a:gsLst>
+                    <a:gs pos="0">
+                      <a:schemeClr val="accent1">
+                        <a:tint val="40000"/>
+                        <a:satMod val="250000"/>
+                      </a:schemeClr>
+                    </a:gs>
+                    <a:gs pos="9000">
+                      <a:schemeClr val="accent1">
+                        <a:tint val="52000"/>
+                        <a:satMod val="300000"/>
+                      </a:schemeClr>
+                    </a:gs>
+                    <a:gs pos="50000">
+                      <a:schemeClr val="accent1">
+                        <a:shade val="20000"/>
+                        <a:satMod val="300000"/>
+                      </a:schemeClr>
+                    </a:gs>
+                    <a:gs pos="79000">
+                      <a:schemeClr val="accent1">
+                        <a:tint val="52000"/>
+                        <a:satMod val="300000"/>
+                      </a:schemeClr>
+                    </a:gs>
+                    <a:gs pos="100000">
+                      <a:schemeClr val="accent1">
+                        <a:tint val="40000"/>
+                        <a:satMod val="250000"/>
+                      </a:schemeClr>
+                    </a:gs>
+                  </a:gsLst>
+                  <a:lin ang="5400000"/>
+                </a:gradFill>
+              </a:rPr>
+              <a:t>…</a:t>
+            </a:r>
+            <a:r>
+              <a:rPr lang="ja-JP" altLang="en-US" sz="5400" b="1" dirty="0" err="1" smtClean="0">
+                <a:ln w="10541" cmpd="sng">
+                  <a:solidFill>
+                    <a:schemeClr val="accent1">
+                      <a:shade val="88000"/>
+                      <a:satMod val="110000"/>
+                    </a:schemeClr>
+                  </a:solidFill>
+                  <a:prstDash val="solid"/>
+                </a:ln>
+                <a:gradFill>
+                  <a:gsLst>
+                    <a:gs pos="0">
+                      <a:schemeClr val="accent1">
+                        <a:tint val="40000"/>
+                        <a:satMod val="250000"/>
+                      </a:schemeClr>
+                    </a:gs>
+                    <a:gs pos="9000">
+                      <a:schemeClr val="accent1">
+                        <a:tint val="52000"/>
+                        <a:satMod val="300000"/>
+                      </a:schemeClr>
+                    </a:gs>
+                    <a:gs pos="50000">
+                      <a:schemeClr val="accent1">
+                        <a:shade val="20000"/>
+                        <a:satMod val="300000"/>
+                      </a:schemeClr>
+                    </a:gs>
+                    <a:gs pos="79000">
+                      <a:schemeClr val="accent1">
+                        <a:tint val="52000"/>
+                        <a:satMod val="300000"/>
+                      </a:schemeClr>
+                    </a:gs>
+                    <a:gs pos="100000">
+                      <a:schemeClr val="accent1">
+                        <a:tint val="40000"/>
+                        <a:satMod val="250000"/>
+                      </a:schemeClr>
+                    </a:gs>
+                  </a:gsLst>
+                  <a:lin ang="5400000"/>
+                </a:gradFill>
+              </a:rPr>
+              <a:t>。</a:t>
+            </a:r>
+            <a:endParaRPr lang="ja-JP" altLang="en-US" sz="5400" b="1" dirty="0">
+              <a:ln w="10541" cmpd="sng">
+                <a:solidFill>
+                  <a:schemeClr val="accent1">
+                    <a:shade val="88000"/>
+                    <a:satMod val="110000"/>
+                  </a:schemeClr>
+                </a:solidFill>
+                <a:prstDash val="solid"/>
+              </a:ln>
+              <a:gradFill>
+                <a:gsLst>
+                  <a:gs pos="0">
+                    <a:schemeClr val="accent1">
+                      <a:tint val="40000"/>
+                      <a:satMod val="250000"/>
+                    </a:schemeClr>
+                  </a:gs>
+                  <a:gs pos="9000">
+                    <a:schemeClr val="accent1">
+                      <a:tint val="52000"/>
+                      <a:satMod val="300000"/>
+                    </a:schemeClr>
+                  </a:gs>
+                  <a:gs pos="50000">
+                    <a:schemeClr val="accent1">
+                      <a:shade val="20000"/>
+                      <a:satMod val="300000"/>
+                    </a:schemeClr>
+                  </a:gs>
+                  <a:gs pos="79000">
+                    <a:schemeClr val="accent1">
+                      <a:tint val="52000"/>
+                      <a:satMod val="300000"/>
+                    </a:schemeClr>
+                  </a:gs>
+                  <a:gs pos="100000">
+                    <a:schemeClr val="accent1">
+                      <a:tint val="40000"/>
+                      <a:satMod val="250000"/>
+                    </a:schemeClr>
+                  </a:gs>
+                </a:gsLst>
+                <a:lin ang="5400000"/>
+              </a:gradFill>
+            </a:endParaRPr>
+          </a:p>
+        </p:txBody>
+      </p:sp>
     </p:spTree>
     <p:extLst>
       <p:ext uri="{BB962C8B-B14F-4D97-AF65-F5344CB8AC3E}">
@@ -7251,7 +7622,7 @@
                   <a:lin ang="5400000"/>
                 </a:gradFill>
               </a:rPr>
-              <a:t>ひとりぼっち</a:t>
+              <a:t>こまった</a:t>
             </a:r>
             <a:r>
               <a:rPr lang="en-US" altLang="ja-JP" sz="5400" b="1" dirty="0" smtClean="0">
